--- a/Презентация_по_проекту.pptx
+++ b/Презентация_по_проекту.pptx
@@ -5,22 +5,22 @@
     <p:sldMasterId id="2147483648" r:id="rId1"/>
   </p:sldMasterIdLst>
   <p:notesMasterIdLst>
-    <p:notesMasterId r:id="rId10"/>
+    <p:notesMasterId r:id="rId9"/>
   </p:notesMasterIdLst>
   <p:handoutMasterIdLst>
-    <p:handoutMasterId r:id="rId11"/>
+    <p:handoutMasterId r:id="rId10"/>
   </p:handoutMasterIdLst>
   <p:sldIdLst>
-    <p:sldId id="262" r:id="rId3"/>
-    <p:sldId id="256" r:id="rId4"/>
-    <p:sldId id="257" r:id="rId5"/>
-    <p:sldId id="258" r:id="rId6"/>
-    <p:sldId id="259" r:id="rId7"/>
-    <p:sldId id="260" r:id="rId8"/>
-    <p:sldId id="261" r:id="rId9"/>
+    <p:sldId id="262" r:id="rId2"/>
+    <p:sldId id="256" r:id="rId3"/>
+    <p:sldId id="257" r:id="rId4"/>
+    <p:sldId id="258" r:id="rId5"/>
+    <p:sldId id="259" r:id="rId6"/>
+    <p:sldId id="260" r:id="rId7"/>
+    <p:sldId id="261" r:id="rId8"/>
   </p:sldIdLst>
   <p:sldSz cx="12192000" cy="6858000"/>
-  <p:notesSz cx="7103745" cy="10234295"/>
+  <p:notesSz cx="7104063" cy="10234613"/>
   <p:defaultTextStyle>
     <a:defPPr>
       <a:defRPr lang="zh-CN"/>
@@ -217,6 +217,7 @@
           <a:p>
             <a:fld id="{0F9B84EA-7D68-4D60-9CB1-D50884785D1C}" type="datetimeFigureOut">
               <a:rPr lang="en-US" smtClean="0"/>
+              <a:t>5/23/2025</a:t>
             </a:fld>
             <a:endParaRPr lang="en-US"/>
           </a:p>
@@ -282,12 +283,18 @@
           <a:p>
             <a:fld id="{8D4E0FC9-F1F8-4FAE-9988-3BA365CFD46F}" type="slidenum">
               <a:rPr lang="en-US" smtClean="0"/>
+              <a:t>‹#›</a:t>
             </a:fld>
             <a:endParaRPr lang="en-US"/>
           </a:p>
         </p:txBody>
       </p:sp>
     </p:spTree>
+    <p:extLst>
+      <p:ext uri="{BB962C8B-B14F-4D97-AF65-F5344CB8AC3E}">
+        <p14:creationId xmlns:p14="http://schemas.microsoft.com/office/powerpoint/2010/main" val="2818603300"/>
+      </p:ext>
+    </p:extLst>
   </p:cSld>
   <p:clrMap bg1="lt1" tx1="dk1" bg2="lt2" tx2="dk2" accent1="accent1" accent2="accent2" accent3="accent3" accent4="accent4" accent5="accent5" accent6="accent6" hlink="hlink" folHlink="folHlink"/>
 </p:handoutMaster>
@@ -375,6 +382,7 @@
           <a:p>
             <a:fld id="{D6C8D182-E4C8-4120-9249-FC9774456FFA}" type="datetimeFigureOut">
               <a:rPr lang="en-US" smtClean="0"/>
+              <a:t>5/23/2025</a:t>
             </a:fld>
             <a:endParaRPr lang="en-US"/>
           </a:p>
@@ -441,7 +449,6 @@
               <a:rPr lang="en-US"/>
               <a:t>Edit Master text styles</a:t>
             </a:r>
-            <a:endParaRPr lang="en-US"/>
           </a:p>
           <a:p>
             <a:pPr lvl="1"/>
@@ -449,7 +456,6 @@
               <a:rPr lang="en-US"/>
               <a:t>Second level</a:t>
             </a:r>
-            <a:endParaRPr lang="en-US"/>
           </a:p>
           <a:p>
             <a:pPr lvl="2"/>
@@ -457,7 +463,6 @@
               <a:rPr lang="en-US"/>
               <a:t>Third level</a:t>
             </a:r>
-            <a:endParaRPr lang="en-US"/>
           </a:p>
           <a:p>
             <a:pPr lvl="3"/>
@@ -465,7 +470,6 @@
               <a:rPr lang="en-US"/>
               <a:t>Fourth level</a:t>
             </a:r>
-            <a:endParaRPr lang="en-US"/>
           </a:p>
           <a:p>
             <a:pPr lvl="4"/>
@@ -473,7 +477,6 @@
               <a:rPr lang="en-US"/>
               <a:t>Fifth level</a:t>
             </a:r>
-            <a:endParaRPr lang="en-US"/>
           </a:p>
         </p:txBody>
       </p:sp>
@@ -537,12 +540,18 @@
           <a:p>
             <a:fld id="{85D0DACE-38E0-42D2-9336-2B707D34BC6D}" type="slidenum">
               <a:rPr lang="en-US" smtClean="0"/>
+              <a:t>‹#›</a:t>
             </a:fld>
             <a:endParaRPr lang="en-US"/>
           </a:p>
         </p:txBody>
       </p:sp>
     </p:spTree>
+    <p:extLst>
+      <p:ext uri="{BB962C8B-B14F-4D97-AF65-F5344CB8AC3E}">
+        <p14:creationId xmlns:p14="http://schemas.microsoft.com/office/powerpoint/2010/main" val="684777697"/>
+      </p:ext>
+    </p:extLst>
   </p:cSld>
   <p:clrMap bg1="lt1" tx1="dk1" bg2="lt2" tx2="dk2" accent1="accent1" accent2="accent2" accent3="accent3" accent4="accent4" accent5="accent5" accent6="accent6" hlink="hlink" folHlink="folHlink"/>
   <p:notesStyle>
@@ -714,6 +723,7 @@
           <a:p>
             <a:fld id="{760FBDFE-C587-4B4C-A407-44438C67B59E}" type="datetimeFigureOut">
               <a:rPr lang="en-US" smtClean="0"/>
+              <a:t>5/23/2025</a:t>
             </a:fld>
             <a:endParaRPr lang="en-US"/>
           </a:p>
@@ -755,6 +765,7 @@
           <a:p>
             <a:fld id="{49AE70B2-8BF9-45C0-BB95-33D1B9D3A854}" type="slidenum">
               <a:rPr lang="en-US" smtClean="0"/>
+              <a:t>‹#›</a:t>
             </a:fld>
             <a:endParaRPr lang="en-US"/>
           </a:p>
@@ -879,6 +890,7 @@
           <a:p>
             <a:fld id="{760FBDFE-C587-4B4C-A407-44438C67B59E}" type="datetimeFigureOut">
               <a:rPr lang="en-US" smtClean="0"/>
+              <a:t>5/23/2025</a:t>
             </a:fld>
             <a:endParaRPr lang="en-US"/>
           </a:p>
@@ -920,6 +932,7 @@
           <a:p>
             <a:fld id="{49AE70B2-8BF9-45C0-BB95-33D1B9D3A854}" type="slidenum">
               <a:rPr lang="en-US" smtClean="0"/>
+              <a:t>‹#›</a:t>
             </a:fld>
             <a:endParaRPr lang="en-US"/>
           </a:p>
@@ -1146,7 +1159,6 @@
               <a:rPr lang="en-US" dirty="0" smtClean="0"/>
               <a:t>Click to edit Master text styles</a:t>
             </a:r>
-            <a:endParaRPr lang="en-US" dirty="0" smtClean="0"/>
           </a:p>
           <a:p>
             <a:pPr lvl="1"/>
@@ -1154,7 +1166,6 @@
               <a:rPr lang="en-US" dirty="0"/>
               <a:t>Second level </a:t>
             </a:r>
-            <a:endParaRPr lang="en-US" dirty="0"/>
           </a:p>
           <a:p>
             <a:pPr lvl="2"/>
@@ -1162,7 +1173,6 @@
               <a:rPr lang="en-US" dirty="0"/>
               <a:t>Third level</a:t>
             </a:r>
-            <a:endParaRPr lang="en-US" dirty="0"/>
           </a:p>
           <a:p>
             <a:pPr lvl="3"/>
@@ -1170,7 +1180,6 @@
               <a:rPr lang="en-US" dirty="0"/>
               <a:t>Fourth level</a:t>
             </a:r>
-            <a:endParaRPr lang="en-US" dirty="0"/>
           </a:p>
           <a:p>
             <a:pPr lvl="4"/>
@@ -1178,7 +1187,6 @@
               <a:rPr lang="en-US" dirty="0"/>
               <a:t>Fifth level</a:t>
             </a:r>
-            <a:endParaRPr lang="en-US" dirty="0"/>
           </a:p>
         </p:txBody>
       </p:sp>
@@ -1199,6 +1207,7 @@
           <a:p>
             <a:fld id="{760FBDFE-C587-4B4C-A407-44438C67B59E}" type="datetimeFigureOut">
               <a:rPr lang="en-US" smtClean="0"/>
+              <a:t>5/23/2025</a:t>
             </a:fld>
             <a:endParaRPr lang="en-US"/>
           </a:p>
@@ -1240,6 +1249,7 @@
           <a:p>
             <a:fld id="{49AE70B2-8BF9-45C0-BB95-33D1B9D3A854}" type="slidenum">
               <a:rPr lang="en-US" smtClean="0"/>
+              <a:t>‹#›</a:t>
             </a:fld>
             <a:endParaRPr lang="en-US"/>
           </a:p>
@@ -1304,9 +1314,6 @@
               </a:rPr>
               <a:t>Click to edit Master title style</a:t>
             </a:r>
-            <a:endParaRPr lang="en-US" dirty="0" smtClean="0">
-              <a:sym typeface="+mn-ea"/>
-            </a:endParaRPr>
           </a:p>
         </p:txBody>
       </p:sp>
@@ -1428,7 +1435,6 @@
               <a:rPr lang="en-US" dirty="0"/>
               <a:t>Click to edit Master text styles</a:t>
             </a:r>
-            <a:endParaRPr lang="en-US" dirty="0"/>
           </a:p>
         </p:txBody>
       </p:sp>
@@ -1449,6 +1455,7 @@
           <a:p>
             <a:fld id="{760FBDFE-C587-4B4C-A407-44438C67B59E}" type="datetimeFigureOut">
               <a:rPr lang="en-US" smtClean="0"/>
+              <a:t>5/23/2025</a:t>
             </a:fld>
             <a:endParaRPr lang="en-US"/>
           </a:p>
@@ -1490,6 +1497,7 @@
           <a:p>
             <a:fld id="{49AE70B2-8BF9-45C0-BB95-33D1B9D3A854}" type="slidenum">
               <a:rPr lang="en-US" smtClean="0"/>
+              <a:t>‹#›</a:t>
             </a:fld>
             <a:endParaRPr lang="en-US"/>
           </a:p>
@@ -1661,7 +1669,6 @@
               <a:rPr lang="en-US" dirty="0"/>
               <a:t>Click to edit Master text styles</a:t>
             </a:r>
-            <a:endParaRPr lang="en-US" dirty="0"/>
           </a:p>
           <a:p>
             <a:pPr lvl="1"/>
@@ -1669,7 +1676,6 @@
               <a:rPr lang="en-US" dirty="0"/>
               <a:t>Second level</a:t>
             </a:r>
-            <a:endParaRPr lang="en-US" dirty="0"/>
           </a:p>
           <a:p>
             <a:pPr lvl="2"/>
@@ -1677,7 +1683,6 @@
               <a:rPr lang="en-US" dirty="0"/>
               <a:t>Third level</a:t>
             </a:r>
-            <a:endParaRPr lang="en-US" dirty="0"/>
           </a:p>
           <a:p>
             <a:pPr lvl="3"/>
@@ -1685,7 +1690,6 @@
               <a:rPr lang="en-US" dirty="0"/>
               <a:t>Fourth level</a:t>
             </a:r>
-            <a:endParaRPr lang="en-US" dirty="0"/>
           </a:p>
           <a:p>
             <a:pPr lvl="4"/>
@@ -1693,7 +1697,6 @@
               <a:rPr lang="en-US" dirty="0"/>
               <a:t>Fifth level</a:t>
             </a:r>
-            <a:endParaRPr lang="en-US" dirty="0"/>
           </a:p>
         </p:txBody>
       </p:sp>
@@ -1793,7 +1796,6 @@
               <a:rPr lang="en-US" dirty="0"/>
               <a:t>Click to edit Master text styles</a:t>
             </a:r>
-            <a:endParaRPr lang="en-US" dirty="0"/>
           </a:p>
           <a:p>
             <a:pPr lvl="1"/>
@@ -1854,6 +1856,7 @@
           <a:p>
             <a:fld id="{760FBDFE-C587-4B4C-A407-44438C67B59E}" type="datetimeFigureOut">
               <a:rPr lang="en-US" smtClean="0"/>
+              <a:t>5/23/2025</a:t>
             </a:fld>
             <a:endParaRPr lang="en-US"/>
           </a:p>
@@ -1895,6 +1898,7 @@
           <a:p>
             <a:fld id="{49AE70B2-8BF9-45C0-BB95-33D1B9D3A854}" type="slidenum">
               <a:rPr lang="en-US" smtClean="0"/>
+              <a:t>‹#›</a:t>
             </a:fld>
             <a:endParaRPr lang="en-US"/>
           </a:p>
@@ -2024,7 +2028,6 @@
               <a:rPr lang="en-US" dirty="0"/>
               <a:t>Click to edit Master text styles</a:t>
             </a:r>
-            <a:endParaRPr lang="en-US" dirty="0"/>
           </a:p>
         </p:txBody>
       </p:sp>
@@ -2053,7 +2056,6 @@
               <a:rPr lang="en-US" dirty="0"/>
               <a:t>Click to edit Master text styles</a:t>
             </a:r>
-            <a:endParaRPr lang="en-US" dirty="0"/>
           </a:p>
           <a:p>
             <a:pPr lvl="1"/>
@@ -2061,7 +2063,6 @@
               <a:rPr lang="en-US" dirty="0"/>
               <a:t>Second level</a:t>
             </a:r>
-            <a:endParaRPr lang="en-US" dirty="0"/>
           </a:p>
           <a:p>
             <a:pPr lvl="2"/>
@@ -2069,7 +2070,6 @@
               <a:rPr lang="en-US" dirty="0"/>
               <a:t>Third level</a:t>
             </a:r>
-            <a:endParaRPr lang="en-US" dirty="0"/>
           </a:p>
           <a:p>
             <a:pPr lvl="3"/>
@@ -2077,7 +2077,6 @@
               <a:rPr lang="en-US" dirty="0"/>
               <a:t>Fourth level</a:t>
             </a:r>
-            <a:endParaRPr lang="en-US" dirty="0"/>
           </a:p>
           <a:p>
             <a:pPr lvl="4"/>
@@ -2085,7 +2084,6 @@
               <a:rPr lang="en-US" dirty="0"/>
               <a:t>Fifth level</a:t>
             </a:r>
-            <a:endParaRPr lang="en-US" dirty="0"/>
           </a:p>
         </p:txBody>
       </p:sp>
@@ -2154,7 +2152,6 @@
               <a:rPr lang="en-US" dirty="0"/>
               <a:t>Click to edit Master text styles</a:t>
             </a:r>
-            <a:endParaRPr lang="en-US" dirty="0"/>
           </a:p>
         </p:txBody>
       </p:sp>
@@ -2193,7 +2190,6 @@
               <a:rPr lang="en-US" dirty="0"/>
               <a:t>Second level</a:t>
             </a:r>
-            <a:endParaRPr lang="en-US" dirty="0"/>
           </a:p>
           <a:p>
             <a:pPr lvl="2"/>
@@ -2201,7 +2197,6 @@
               <a:rPr lang="en-US" dirty="0"/>
               <a:t>Third level</a:t>
             </a:r>
-            <a:endParaRPr lang="en-US" dirty="0"/>
           </a:p>
           <a:p>
             <a:pPr lvl="3"/>
@@ -2209,7 +2204,6 @@
               <a:rPr lang="en-US" dirty="0"/>
               <a:t>Fourth level</a:t>
             </a:r>
-            <a:endParaRPr lang="en-US" dirty="0"/>
           </a:p>
           <a:p>
             <a:pPr lvl="4"/>
@@ -2217,7 +2211,6 @@
               <a:rPr lang="en-US" dirty="0"/>
               <a:t>Fifth level</a:t>
             </a:r>
-            <a:endParaRPr lang="en-US" dirty="0"/>
           </a:p>
         </p:txBody>
       </p:sp>
@@ -2238,6 +2231,7 @@
           <a:p>
             <a:fld id="{760FBDFE-C587-4B4C-A407-44438C67B59E}" type="datetimeFigureOut">
               <a:rPr lang="en-US" smtClean="0"/>
+              <a:t>5/23/2025</a:t>
             </a:fld>
             <a:endParaRPr lang="en-US"/>
           </a:p>
@@ -2279,6 +2273,7 @@
           <a:p>
             <a:fld id="{49AE70B2-8BF9-45C0-BB95-33D1B9D3A854}" type="slidenum">
               <a:rPr lang="en-US" smtClean="0"/>
+              <a:t>‹#›</a:t>
             </a:fld>
             <a:endParaRPr lang="en-US"/>
           </a:p>
@@ -2343,7 +2338,6 @@
               <a:rPr lang="en-US" dirty="0"/>
               <a:t>Click to edit Master title style</a:t>
             </a:r>
-            <a:endParaRPr lang="en-US" dirty="0"/>
           </a:p>
         </p:txBody>
       </p:sp>
@@ -2364,6 +2358,7 @@
           <a:p>
             <a:fld id="{760FBDFE-C587-4B4C-A407-44438C67B59E}" type="datetimeFigureOut">
               <a:rPr lang="en-US" smtClean="0"/>
+              <a:t>5/23/2025</a:t>
             </a:fld>
             <a:endParaRPr lang="en-US"/>
           </a:p>
@@ -2405,6 +2400,7 @@
           <a:p>
             <a:fld id="{49AE70B2-8BF9-45C0-BB95-33D1B9D3A854}" type="slidenum">
               <a:rPr lang="en-US" smtClean="0"/>
+              <a:t>‹#›</a:t>
             </a:fld>
             <a:endParaRPr lang="en-US"/>
           </a:p>
@@ -2452,6 +2448,7 @@
           <a:p>
             <a:fld id="{760FBDFE-C587-4B4C-A407-44438C67B59E}" type="datetimeFigureOut">
               <a:rPr lang="en-US" smtClean="0"/>
+              <a:t>5/23/2025</a:t>
             </a:fld>
             <a:endParaRPr lang="en-US"/>
           </a:p>
@@ -2493,6 +2490,7 @@
           <a:p>
             <a:fld id="{49AE70B2-8BF9-45C0-BB95-33D1B9D3A854}" type="slidenum">
               <a:rPr lang="en-US" smtClean="0"/>
+              <a:t>‹#›</a:t>
             </a:fld>
             <a:endParaRPr lang="en-US"/>
           </a:p>
@@ -2557,7 +2555,6 @@
               <a:rPr lang="en-US" dirty="0"/>
               <a:t>Click to edit Master title style</a:t>
             </a:r>
-            <a:endParaRPr lang="en-US" dirty="0"/>
           </a:p>
         </p:txBody>
       </p:sp>
@@ -2689,7 +2686,6 @@
               <a:rPr lang="en-US" dirty="0"/>
               <a:t>Click to edit Master text styles</a:t>
             </a:r>
-            <a:endParaRPr lang="en-US" dirty="0"/>
           </a:p>
         </p:txBody>
       </p:sp>
@@ -2710,6 +2706,7 @@
           <a:p>
             <a:fld id="{9EFD9D74-47D9-4702-A33C-335B63B48DBF}" type="datetimeFigureOut">
               <a:rPr lang="en-US" smtClean="0"/>
+              <a:t>5/23/2025</a:t>
             </a:fld>
             <a:endParaRPr lang="en-US" dirty="0"/>
           </a:p>
@@ -2751,6 +2748,7 @@
           <a:p>
             <a:fld id="{FABC47A4-756D-490B-A52F-7D9E2C9FC05F}" type="slidenum">
               <a:rPr lang="en-US" smtClean="0"/>
+              <a:t>‹#›</a:t>
             </a:fld>
             <a:endParaRPr lang="en-US"/>
           </a:p>
@@ -2811,7 +2809,6 @@
               <a:rPr lang="en-US"/>
               <a:t>Click to edit Master title style</a:t>
             </a:r>
-            <a:endParaRPr lang="en-US"/>
           </a:p>
         </p:txBody>
       </p:sp>
@@ -2840,7 +2837,6 @@
               <a:rPr lang="en-US" dirty="0"/>
               <a:t>Click to edit Master text styles</a:t>
             </a:r>
-            <a:endParaRPr lang="en-US" dirty="0"/>
           </a:p>
           <a:p>
             <a:pPr lvl="1"/>
@@ -2848,7 +2844,6 @@
               <a:rPr lang="en-US" dirty="0"/>
               <a:t>Second level</a:t>
             </a:r>
-            <a:endParaRPr lang="en-US" dirty="0"/>
           </a:p>
           <a:p>
             <a:pPr lvl="2"/>
@@ -2856,7 +2851,6 @@
               <a:rPr lang="en-US" dirty="0"/>
               <a:t>Third level</a:t>
             </a:r>
-            <a:endParaRPr lang="en-US" dirty="0"/>
           </a:p>
           <a:p>
             <a:pPr lvl="3"/>
@@ -2864,7 +2858,6 @@
               <a:rPr lang="en-US" dirty="0"/>
               <a:t>Fourth level</a:t>
             </a:r>
-            <a:endParaRPr lang="en-US" dirty="0"/>
           </a:p>
           <a:p>
             <a:pPr lvl="4"/>
@@ -2872,7 +2865,6 @@
               <a:rPr lang="en-US" dirty="0"/>
               <a:t>Fifth level</a:t>
             </a:r>
-            <a:endParaRPr lang="en-US" dirty="0"/>
           </a:p>
         </p:txBody>
       </p:sp>
@@ -2893,6 +2885,7 @@
           <a:p>
             <a:fld id="{760FBDFE-C587-4B4C-A407-44438C67B59E}" type="datetimeFigureOut">
               <a:rPr lang="en-US" smtClean="0"/>
+              <a:t>5/23/2025</a:t>
             </a:fld>
             <a:endParaRPr lang="en-US"/>
           </a:p>
@@ -2934,6 +2927,7 @@
           <a:p>
             <a:fld id="{49AE70B2-8BF9-45C0-BB95-33D1B9D3A854}" type="slidenum">
               <a:rPr lang="en-US" smtClean="0"/>
+              <a:t>‹#›</a:t>
             </a:fld>
             <a:endParaRPr lang="en-US"/>
           </a:p>
@@ -3050,7 +3044,6 @@
               <a:rPr lang="en-US" dirty="0" smtClean="0"/>
               <a:t>Click to edit Master text styles</a:t>
             </a:r>
-            <a:endParaRPr lang="en-US" dirty="0" smtClean="0"/>
           </a:p>
           <a:p>
             <a:pPr lvl="1"/>
@@ -3058,7 +3051,6 @@
               <a:rPr lang="en-US" dirty="0" smtClean="0"/>
               <a:t>Second level</a:t>
             </a:r>
-            <a:endParaRPr lang="en-US" dirty="0" smtClean="0"/>
           </a:p>
           <a:p>
             <a:pPr lvl="2"/>
@@ -3123,6 +3115,7 @@
           <a:p>
             <a:fld id="{760FBDFE-C587-4B4C-A407-44438C67B59E}" type="datetimeFigureOut">
               <a:rPr lang="en-US" smtClean="0"/>
+              <a:t>5/23/2025</a:t>
             </a:fld>
             <a:endParaRPr lang="en-US" dirty="0"/>
           </a:p>
@@ -3208,6 +3201,7 @@
           <a:p>
             <a:fld id="{49AE70B2-8BF9-45C0-BB95-33D1B9D3A854}" type="slidenum">
               <a:rPr lang="en-US" smtClean="0"/>
+              <a:t>‹#›</a:t>
             </a:fld>
             <a:endParaRPr lang="en-US" dirty="0"/>
           </a:p>
@@ -3589,6 +3583,7 @@
         </p:style>
         <p:txBody>
           <a:bodyPr rtlCol="0" anchor="ctr"/>
+          <a:lstStyle/>
           <a:p>
             <a:pPr algn="ctr"/>
             <a:endParaRPr lang="ru-RU" altLang="en-US"/>
@@ -3615,6 +3610,7 @@
           <a:bodyPr wrap="square" rtlCol="0">
             <a:noAutofit/>
           </a:bodyPr>
+          <a:lstStyle/>
           <a:p>
             <a:pPr algn="ctr"/>
             <a:r>
@@ -3681,11 +3677,6 @@
               </a:rPr>
               <a:t>банкинга</a:t>
             </a:r>
-            <a:endParaRPr lang="en-US" altLang="en-US" sz="4000" b="1">
-              <a:solidFill>
-                <a:schemeClr val="bg1"/>
-              </a:solidFill>
-            </a:endParaRPr>
           </a:p>
         </p:txBody>
       </p:sp>
@@ -3709,6 +3700,7 @@
           <a:bodyPr wrap="square" rtlCol="0">
             <a:noAutofit/>
           </a:bodyPr>
+          <a:lstStyle/>
           <a:p>
             <a:r>
               <a:rPr lang="ru-RU" altLang="en-US" b="1">
@@ -3740,13 +3732,6 @@
               </a:rPr>
               <a:t>Вардугин Дмитрий ИЭ-71</a:t>
             </a:r>
-            <a:endParaRPr lang="ru-RU" altLang="en-US">
-              <a:solidFill>
-                <a:schemeClr val="accent2">
-                  <a:lumMod val="50000"/>
-                </a:schemeClr>
-              </a:solidFill>
-            </a:endParaRPr>
           </a:p>
           <a:p>
             <a:r>
@@ -3789,13 +3774,6 @@
               </a:rPr>
               <a:t>Вардугин Дмитрий ИЭ-71</a:t>
             </a:r>
-            <a:endParaRPr lang="ru-RU" altLang="en-US">
-              <a:solidFill>
-                <a:schemeClr val="accent2">
-                  <a:lumMod val="50000"/>
-                </a:schemeClr>
-              </a:solidFill>
-            </a:endParaRPr>
           </a:p>
           <a:p>
             <a:r>
@@ -3828,13 +3806,6 @@
               </a:rPr>
               <a:t>Вардугин Дмитрий ИЭ-71</a:t>
             </a:r>
-            <a:endParaRPr lang="ru-RU" altLang="en-US">
-              <a:solidFill>
-                <a:schemeClr val="accent2">
-                  <a:lumMod val="50000"/>
-                </a:schemeClr>
-              </a:solidFill>
-            </a:endParaRPr>
           </a:p>
         </p:txBody>
       </p:sp>
@@ -3847,7 +3818,7 @@
           <p:nvPr/>
         </p:nvPicPr>
         <p:blipFill>
-          <a:blip r:embed="rId1"/>
+          <a:blip r:embed="rId2"/>
           <a:stretch>
             <a:fillRect/>
           </a:stretch>
@@ -3871,7 +3842,7 @@
           <p:nvPr/>
         </p:nvPicPr>
         <p:blipFill>
-          <a:blip r:embed="rId2"/>
+          <a:blip r:embed="rId3"/>
           <a:stretch>
             <a:fillRect/>
           </a:stretch>
@@ -3906,6 +3877,7 @@
           <a:bodyPr wrap="square" rtlCol="0">
             <a:spAutoFit/>
           </a:bodyPr>
+          <a:lstStyle/>
           <a:p>
             <a:pPr algn="ctr"/>
             <a:r>
@@ -3928,13 +3900,6 @@
               </a:rPr>
               <a:t>:</a:t>
             </a:r>
-            <a:endParaRPr lang="en-US" altLang="en-US" sz="1400">
-              <a:solidFill>
-                <a:schemeClr val="accent2">
-                  <a:lumMod val="75000"/>
-                </a:schemeClr>
-              </a:solidFill>
-            </a:endParaRPr>
           </a:p>
         </p:txBody>
       </p:sp>
@@ -3958,6 +3923,7 @@
           <a:bodyPr wrap="square" rtlCol="0">
             <a:spAutoFit/>
           </a:bodyPr>
+          <a:lstStyle/>
           <a:p>
             <a:pPr algn="ctr"/>
             <a:r>
@@ -3990,13 +3956,6 @@
               </a:rPr>
               <a:t>:</a:t>
             </a:r>
-            <a:endParaRPr lang="en-US" altLang="en-US" sz="1400">
-              <a:solidFill>
-                <a:schemeClr val="accent2">
-                  <a:lumMod val="75000"/>
-                </a:schemeClr>
-              </a:solidFill>
-            </a:endParaRPr>
           </a:p>
         </p:txBody>
       </p:sp>
@@ -4078,6 +4037,7 @@
         </p:style>
         <p:txBody>
           <a:bodyPr rtlCol="0" anchor="ctr"/>
+          <a:lstStyle/>
           <a:p>
             <a:pPr algn="ctr"/>
             <a:endParaRPr lang="ru-RU" altLang="en-US"/>
@@ -4127,6 +4087,7 @@
         </p:style>
         <p:txBody>
           <a:bodyPr rtlCol="0" anchor="ctr"/>
+          <a:lstStyle/>
           <a:p>
             <a:pPr algn="ctr"/>
             <a:endParaRPr lang="ru-RU" altLang="en-US"/>
@@ -4153,6 +4114,7 @@
           <a:bodyPr wrap="square" rtlCol="0">
             <a:spAutoFit/>
           </a:bodyPr>
+          <a:lstStyle/>
           <a:p>
             <a:r>
               <a:rPr lang="ru-RU" altLang="en-US" sz="1400">
@@ -4164,13 +4126,6 @@
               </a:rPr>
               <a:t>2</a:t>
             </a:r>
-            <a:endParaRPr lang="ru-RU" altLang="en-US" sz="1400">
-              <a:solidFill>
-                <a:schemeClr val="accent2">
-                  <a:lumMod val="50000"/>
-                </a:schemeClr>
-              </a:solidFill>
-            </a:endParaRPr>
           </a:p>
         </p:txBody>
       </p:sp>
@@ -4194,6 +4149,7 @@
           <a:bodyPr wrap="square" rtlCol="0">
             <a:noAutofit/>
           </a:bodyPr>
+          <a:lstStyle/>
           <a:p>
             <a:pPr algn="ctr"/>
             <a:r>
@@ -4204,39 +4160,12 @@
               </a:rPr>
               <a:t>Архитектура программы</a:t>
             </a:r>
-            <a:endParaRPr lang="ru-RU" altLang="en-US" sz="4000" b="1">
-              <a:solidFill>
-                <a:schemeClr val="bg1"/>
-              </a:solidFill>
-            </a:endParaRPr>
           </a:p>
         </p:txBody>
       </p:sp>
       <p:pic>
         <p:nvPicPr>
           <p:cNvPr id="6" name="Изображение 5"/>
-          <p:cNvPicPr/>
-          <p:nvPr/>
-        </p:nvPicPr>
-        <p:blipFill>
-          <a:blip r:embed="rId1"/>
-          <a:stretch>
-            <a:fillRect/>
-          </a:stretch>
-        </p:blipFill>
-        <p:spPr>
-          <a:xfrm>
-            <a:off x="1435100" y="1828800"/>
-            <a:ext cx="1638300" cy="1714500"/>
-          </a:xfrm>
-          <a:prstGeom prst="rect">
-            <a:avLst/>
-          </a:prstGeom>
-        </p:spPr>
-      </p:pic>
-      <p:pic>
-        <p:nvPicPr>
-          <p:cNvPr id="7" name="Изображение 6"/>
           <p:cNvPicPr/>
           <p:nvPr/>
         </p:nvPicPr>
@@ -4248,8 +4177,8 @@
         </p:blipFill>
         <p:spPr>
           <a:xfrm>
-            <a:off x="5172075" y="1828800"/>
-            <a:ext cx="1859915" cy="1714500"/>
+            <a:off x="1435100" y="1828800"/>
+            <a:ext cx="1638300" cy="1714500"/>
           </a:xfrm>
           <a:prstGeom prst="rect">
             <a:avLst/>
@@ -4258,7 +4187,7 @@
       </p:pic>
       <p:pic>
         <p:nvPicPr>
-          <p:cNvPr id="9" name="Изображение 8"/>
+          <p:cNvPr id="7" name="Изображение 6"/>
           <p:cNvPicPr/>
           <p:nvPr/>
         </p:nvPicPr>
@@ -4270,6 +4199,28 @@
         </p:blipFill>
         <p:spPr>
           <a:xfrm>
+            <a:off x="5172075" y="1828800"/>
+            <a:ext cx="1859915" cy="1714500"/>
+          </a:xfrm>
+          <a:prstGeom prst="rect">
+            <a:avLst/>
+          </a:prstGeom>
+        </p:spPr>
+      </p:pic>
+      <p:pic>
+        <p:nvPicPr>
+          <p:cNvPr id="9" name="Изображение 8"/>
+          <p:cNvPicPr/>
+          <p:nvPr/>
+        </p:nvPicPr>
+        <p:blipFill>
+          <a:blip r:embed="rId4"/>
+          <a:stretch>
+            <a:fillRect/>
+          </a:stretch>
+        </p:blipFill>
+        <p:spPr>
+          <a:xfrm>
             <a:off x="9130665" y="1917700"/>
             <a:ext cx="1859915" cy="1714500"/>
           </a:xfrm>
@@ -4298,6 +4249,7 @@
           <a:bodyPr wrap="square" rtlCol="0">
             <a:noAutofit/>
           </a:bodyPr>
+          <a:lstStyle/>
           <a:p>
             <a:r>
               <a:rPr lang="ru-RU" altLang="en-US">
@@ -4309,13 +4261,6 @@
               </a:rPr>
               <a:t>Пользователь</a:t>
             </a:r>
-            <a:endParaRPr lang="ru-RU" altLang="en-US">
-              <a:solidFill>
-                <a:schemeClr val="accent2">
-                  <a:lumMod val="50000"/>
-                </a:schemeClr>
-              </a:solidFill>
-            </a:endParaRPr>
           </a:p>
         </p:txBody>
       </p:sp>
@@ -4339,6 +4284,7 @@
           <a:bodyPr wrap="square" rtlCol="0">
             <a:noAutofit/>
           </a:bodyPr>
+          <a:lstStyle/>
           <a:p>
             <a:pPr algn="ctr"/>
             <a:r>
@@ -4351,13 +4297,6 @@
               </a:rPr>
               <a:t>Программа</a:t>
             </a:r>
-            <a:endParaRPr lang="ru-RU" altLang="en-US">
-              <a:solidFill>
-                <a:schemeClr val="accent2">
-                  <a:lumMod val="50000"/>
-                </a:schemeClr>
-              </a:solidFill>
-            </a:endParaRPr>
           </a:p>
         </p:txBody>
       </p:sp>
@@ -4381,6 +4320,7 @@
           <a:bodyPr wrap="square" rtlCol="0">
             <a:noAutofit/>
           </a:bodyPr>
+          <a:lstStyle/>
           <a:p>
             <a:pPr algn="ctr"/>
             <a:r>
@@ -4393,13 +4333,6 @@
               </a:rPr>
               <a:t>Базы данных</a:t>
             </a:r>
-            <a:endParaRPr lang="ru-RU" altLang="en-US">
-              <a:solidFill>
-                <a:schemeClr val="accent2">
-                  <a:lumMod val="50000"/>
-                </a:schemeClr>
-              </a:solidFill>
-            </a:endParaRPr>
           </a:p>
         </p:txBody>
       </p:sp>
@@ -4444,6 +4377,7 @@
         </p:style>
         <p:txBody>
           <a:bodyPr rtlCol="0" anchor="ctr"/>
+          <a:lstStyle/>
           <a:p>
             <a:pPr algn="ctr"/>
             <a:r>
@@ -4456,13 +4390,6 @@
               </a:rPr>
               <a:t>Отправляет запросы для программы, принимает выводы</a:t>
             </a:r>
-            <a:endParaRPr lang="ru-RU" altLang="en-US">
-              <a:solidFill>
-                <a:schemeClr val="accent2">
-                  <a:lumMod val="50000"/>
-                </a:schemeClr>
-              </a:solidFill>
-            </a:endParaRPr>
           </a:p>
         </p:txBody>
       </p:sp>
@@ -4507,6 +4434,7 @@
         </p:style>
         <p:txBody>
           <a:bodyPr rtlCol="0" anchor="ctr"/>
+          <a:lstStyle/>
           <a:p>
             <a:pPr algn="ctr"/>
             <a:r>
@@ -4519,13 +4447,6 @@
               </a:rPr>
               <a:t>Принимает данные от пользователя, отправляет данные на сохранение</a:t>
             </a:r>
-            <a:endParaRPr lang="ru-RU" altLang="en-US">
-              <a:solidFill>
-                <a:schemeClr val="accent2">
-                  <a:lumMod val="50000"/>
-                </a:schemeClr>
-              </a:solidFill>
-            </a:endParaRPr>
           </a:p>
         </p:txBody>
       </p:sp>
@@ -4570,6 +4491,7 @@
         </p:style>
         <p:txBody>
           <a:bodyPr rtlCol="0" anchor="ctr"/>
+          <a:lstStyle/>
           <a:p>
             <a:pPr algn="ctr"/>
             <a:r>
@@ -4582,13 +4504,6 @@
               </a:rPr>
               <a:t>Хранит пользовательские данные</a:t>
             </a:r>
-            <a:endParaRPr lang="ru-RU" altLang="en-US">
-              <a:solidFill>
-                <a:schemeClr val="accent2">
-                  <a:lumMod val="50000"/>
-                </a:schemeClr>
-              </a:solidFill>
-            </a:endParaRPr>
           </a:p>
         </p:txBody>
       </p:sp>
@@ -4748,6 +4663,7 @@
         </p:style>
         <p:txBody>
           <a:bodyPr rtlCol="0" anchor="ctr"/>
+          <a:lstStyle/>
           <a:p>
             <a:pPr algn="ctr"/>
             <a:endParaRPr lang="ru-RU" altLang="en-US"/>
@@ -4797,6 +4713,7 @@
         </p:style>
         <p:txBody>
           <a:bodyPr rtlCol="0" anchor="ctr"/>
+          <a:lstStyle/>
           <a:p>
             <a:pPr algn="ctr"/>
             <a:endParaRPr lang="ru-RU" altLang="en-US"/>
@@ -4823,6 +4740,7 @@
           <a:bodyPr wrap="square" rtlCol="0">
             <a:spAutoFit/>
           </a:bodyPr>
+          <a:lstStyle/>
           <a:p>
             <a:r>
               <a:rPr lang="ru-RU" altLang="en-US" sz="1400">
@@ -4834,13 +4752,6 @@
               </a:rPr>
               <a:t>3</a:t>
             </a:r>
-            <a:endParaRPr lang="ru-RU" altLang="en-US" sz="1400">
-              <a:solidFill>
-                <a:schemeClr val="accent2">
-                  <a:lumMod val="50000"/>
-                </a:schemeClr>
-              </a:solidFill>
-            </a:endParaRPr>
           </a:p>
         </p:txBody>
       </p:sp>
@@ -4864,6 +4775,7 @@
           <a:bodyPr wrap="square" rtlCol="0">
             <a:noAutofit/>
           </a:bodyPr>
+          <a:lstStyle/>
           <a:p>
             <a:pPr algn="ctr"/>
             <a:r>
@@ -4874,11 +4786,6 @@
               </a:rPr>
               <a:t>Основные функции</a:t>
             </a:r>
-            <a:endParaRPr lang="ru-RU" altLang="en-US" sz="4000" b="1">
-              <a:solidFill>
-                <a:schemeClr val="bg1"/>
-              </a:solidFill>
-            </a:endParaRPr>
           </a:p>
         </p:txBody>
       </p:sp>
@@ -4889,7 +4796,7 @@
           <p:nvPr/>
         </p:nvPicPr>
         <p:blipFill>
-          <a:blip r:embed="rId1"/>
+          <a:blip r:embed="rId2"/>
           <a:stretch>
             <a:fillRect/>
           </a:stretch>
@@ -4924,6 +4831,7 @@
           <a:bodyPr wrap="square" rtlCol="0">
             <a:noAutofit/>
           </a:bodyPr>
+          <a:lstStyle/>
           <a:p>
             <a:r>
               <a:rPr lang="ru-RU" altLang="en-US">
@@ -4935,13 +4843,6 @@
               </a:rPr>
               <a:t>Простая регистрация пользователей</a:t>
             </a:r>
-            <a:endParaRPr lang="ru-RU" altLang="en-US">
-              <a:solidFill>
-                <a:schemeClr val="accent2">
-                  <a:lumMod val="50000"/>
-                </a:schemeClr>
-              </a:solidFill>
-            </a:endParaRPr>
           </a:p>
         </p:txBody>
       </p:sp>
@@ -4952,7 +4853,7 @@
           <p:nvPr/>
         </p:nvPicPr>
         <p:blipFill>
-          <a:blip r:embed="rId2"/>
+          <a:blip r:embed="rId3"/>
           <a:stretch>
             <a:fillRect/>
           </a:stretch>
@@ -5009,6 +4910,7 @@
         </p:style>
         <p:txBody>
           <a:bodyPr rtlCol="0" anchor="ctr"/>
+          <a:lstStyle/>
           <a:p>
             <a:pPr algn="ctr"/>
             <a:endParaRPr lang="ru-RU" altLang="en-US"/>
@@ -5035,6 +4937,7 @@
           <a:bodyPr wrap="square" rtlCol="0">
             <a:noAutofit/>
           </a:bodyPr>
+          <a:lstStyle/>
           <a:p>
             <a:r>
               <a:rPr lang="ru-RU" altLang="en-US">
@@ -5046,13 +4949,6 @@
               </a:rPr>
               <a:t>Виртуальный баланс</a:t>
             </a:r>
-            <a:endParaRPr lang="ru-RU" altLang="en-US">
-              <a:solidFill>
-                <a:schemeClr val="accent2">
-                  <a:lumMod val="50000"/>
-                </a:schemeClr>
-              </a:solidFill>
-            </a:endParaRPr>
           </a:p>
         </p:txBody>
       </p:sp>
@@ -5098,6 +4994,7 @@
         </p:style>
         <p:txBody>
           <a:bodyPr rtlCol="0" anchor="ctr"/>
+          <a:lstStyle/>
           <a:p>
             <a:pPr algn="ctr"/>
             <a:endParaRPr lang="ru-RU" altLang="en-US"/>
@@ -5124,6 +5021,7 @@
           <a:bodyPr wrap="square" rtlCol="0">
             <a:noAutofit/>
           </a:bodyPr>
+          <a:lstStyle/>
           <a:p>
             <a:r>
               <a:rPr lang="en-US" altLang="ru-RU">
@@ -5145,13 +5043,6 @@
               </a:rPr>
               <a:t>переводы без посредников</a:t>
             </a:r>
-            <a:endParaRPr lang="ru-RU" altLang="ru-RU">
-              <a:solidFill>
-                <a:schemeClr val="accent2">
-                  <a:lumMod val="50000"/>
-                </a:schemeClr>
-              </a:solidFill>
-            </a:endParaRPr>
           </a:p>
         </p:txBody>
       </p:sp>
@@ -5197,6 +5088,7 @@
         </p:style>
         <p:txBody>
           <a:bodyPr rtlCol="0" anchor="ctr"/>
+          <a:lstStyle/>
           <a:p>
             <a:pPr algn="ctr"/>
             <a:endParaRPr lang="ru-RU" altLang="en-US"/>
@@ -5210,7 +5102,7 @@
           <p:nvPr/>
         </p:nvPicPr>
         <p:blipFill>
-          <a:blip r:embed="rId3"/>
+          <a:blip r:embed="rId4"/>
           <a:stretch>
             <a:fillRect/>
           </a:stretch>
@@ -5245,6 +5137,7 @@
           <a:bodyPr wrap="square" rtlCol="0">
             <a:noAutofit/>
           </a:bodyPr>
+          <a:lstStyle/>
           <a:p>
             <a:r>
               <a:rPr lang="ru-RU" altLang="en-US">
@@ -5256,13 +5149,6 @@
               </a:rPr>
               <a:t>Прозрачная история операций</a:t>
             </a:r>
-            <a:endParaRPr lang="ru-RU" altLang="en-US">
-              <a:solidFill>
-                <a:schemeClr val="accent2">
-                  <a:lumMod val="50000"/>
-                </a:schemeClr>
-              </a:solidFill>
-            </a:endParaRPr>
           </a:p>
         </p:txBody>
       </p:sp>
@@ -5308,6 +5194,7 @@
         </p:style>
         <p:txBody>
           <a:bodyPr rtlCol="0" anchor="ctr"/>
+          <a:lstStyle/>
           <a:p>
             <a:pPr algn="ctr"/>
             <a:endParaRPr lang="ru-RU" altLang="en-US"/>
@@ -5321,7 +5208,7 @@
           <p:nvPr/>
         </p:nvPicPr>
         <p:blipFill>
-          <a:blip r:embed="rId4"/>
+          <a:blip r:embed="rId5"/>
           <a:stretch>
             <a:fillRect/>
           </a:stretch>
@@ -5343,7 +5230,7 @@
           <p:nvPr/>
         </p:nvPicPr>
         <p:blipFill>
-          <a:blip r:embed="rId5"/>
+          <a:blip r:embed="rId6"/>
           <a:stretch>
             <a:fillRect/>
           </a:stretch>
@@ -5596,6 +5483,7 @@
         </p:style>
         <p:txBody>
           <a:bodyPr rtlCol="0" anchor="ctr"/>
+          <a:lstStyle/>
           <a:p>
             <a:pPr algn="ctr"/>
             <a:endParaRPr lang="ru-RU" altLang="en-US"/>
@@ -5645,6 +5533,7 @@
         </p:style>
         <p:txBody>
           <a:bodyPr rtlCol="0" anchor="ctr"/>
+          <a:lstStyle/>
           <a:p>
             <a:pPr algn="ctr"/>
             <a:endParaRPr lang="ru-RU" altLang="en-US"/>
@@ -5671,6 +5560,7 @@
           <a:bodyPr wrap="square" rtlCol="0">
             <a:spAutoFit/>
           </a:bodyPr>
+          <a:lstStyle/>
           <a:p>
             <a:r>
               <a:rPr lang="ru-RU" altLang="en-US" sz="1400">
@@ -5682,13 +5572,6 @@
               </a:rPr>
               <a:t>4</a:t>
             </a:r>
-            <a:endParaRPr lang="ru-RU" altLang="en-US" sz="1400">
-              <a:solidFill>
-                <a:schemeClr val="accent2">
-                  <a:lumMod val="50000"/>
-                </a:schemeClr>
-              </a:solidFill>
-            </a:endParaRPr>
           </a:p>
         </p:txBody>
       </p:sp>
@@ -5712,6 +5595,7 @@
           <a:bodyPr wrap="square" rtlCol="0">
             <a:noAutofit/>
           </a:bodyPr>
+          <a:lstStyle/>
           <a:p>
             <a:pPr algn="ctr"/>
             <a:r>
@@ -5722,11 +5606,6 @@
               </a:rPr>
               <a:t>Пример регистрации</a:t>
             </a:r>
-            <a:endParaRPr lang="ru-RU" altLang="ru-RU" sz="4000" b="1">
-              <a:solidFill>
-                <a:schemeClr val="bg1"/>
-              </a:solidFill>
-            </a:endParaRPr>
           </a:p>
         </p:txBody>
       </p:sp>
@@ -5791,6 +5670,7 @@
           <a:bodyPr wrap="square" rtlCol="0">
             <a:noAutofit/>
           </a:bodyPr>
+          <a:lstStyle/>
           <a:p>
             <a:pPr algn="ctr"/>
             <a:r>
@@ -5801,11 +5681,6 @@
               </a:rPr>
               <a:t>Пользователь</a:t>
             </a:r>
-            <a:endParaRPr lang="ru-RU" altLang="en-US" sz="3000">
-              <a:solidFill>
-                <a:schemeClr val="bg1"/>
-              </a:solidFill>
-            </a:endParaRPr>
           </a:p>
         </p:txBody>
       </p:sp>
@@ -5829,6 +5704,7 @@
           <a:bodyPr wrap="square" rtlCol="0">
             <a:noAutofit/>
           </a:bodyPr>
+          <a:lstStyle/>
           <a:p>
             <a:pPr algn="ctr"/>
             <a:r>
@@ -5855,11 +5731,6 @@
               </a:rPr>
               <a:t>и база данных</a:t>
             </a:r>
-            <a:endParaRPr lang="ru-RU" altLang="ru-RU" sz="3000">
-              <a:solidFill>
-                <a:schemeClr val="bg1"/>
-              </a:solidFill>
-            </a:endParaRPr>
           </a:p>
         </p:txBody>
       </p:sp>
@@ -5872,7 +5743,7 @@
           <p:nvPr/>
         </p:nvPicPr>
         <p:blipFill>
-          <a:blip r:embed="rId1"/>
+          <a:blip r:embed="rId2"/>
           <a:stretch>
             <a:fillRect/>
           </a:stretch>
@@ -5899,7 +5770,7 @@
           <p:nvPr/>
         </p:nvPicPr>
         <p:blipFill>
-          <a:blip r:embed="rId2"/>
+          <a:blip r:embed="rId3"/>
           <a:stretch>
             <a:fillRect/>
           </a:stretch>
@@ -5923,7 +5794,7 @@
           <p:nvPr/>
         </p:nvPicPr>
         <p:blipFill>
-          <a:blip r:embed="rId3"/>
+          <a:blip r:embed="rId4"/>
           <a:stretch>
             <a:fillRect/>
           </a:stretch>
@@ -5945,7 +5816,7 @@
           <p:nvPr/>
         </p:nvPicPr>
         <p:blipFill>
-          <a:blip r:embed="rId4"/>
+          <a:blip r:embed="rId5"/>
           <a:stretch>
             <a:fillRect/>
           </a:stretch>
@@ -5969,7 +5840,7 @@
           <p:nvPr/>
         </p:nvPicPr>
         <p:blipFill>
-          <a:blip r:embed="rId5"/>
+          <a:blip r:embed="rId6"/>
           <a:stretch>
             <a:fillRect/>
           </a:stretch>
@@ -5991,7 +5862,7 @@
           <p:nvPr/>
         </p:nvPicPr>
         <p:blipFill>
-          <a:blip r:embed="rId6"/>
+          <a:blip r:embed="rId7"/>
           <a:stretch>
             <a:fillRect/>
           </a:stretch>
@@ -6084,6 +5955,7 @@
         </p:style>
         <p:txBody>
           <a:bodyPr rtlCol="0" anchor="ctr"/>
+          <a:lstStyle/>
           <a:p>
             <a:pPr algn="ctr"/>
             <a:endParaRPr lang="ru-RU" altLang="en-US"/>
@@ -6133,6 +6005,7 @@
         </p:style>
         <p:txBody>
           <a:bodyPr rtlCol="0" anchor="ctr"/>
+          <a:lstStyle/>
           <a:p>
             <a:pPr algn="ctr"/>
             <a:endParaRPr lang="ru-RU" altLang="en-US"/>
@@ -6159,6 +6032,7 @@
           <a:bodyPr wrap="square" rtlCol="0">
             <a:spAutoFit/>
           </a:bodyPr>
+          <a:lstStyle/>
           <a:p>
             <a:r>
               <a:rPr lang="ru-RU" altLang="en-US" sz="1400">
@@ -6170,13 +6044,6 @@
               </a:rPr>
               <a:t>5</a:t>
             </a:r>
-            <a:endParaRPr lang="ru-RU" altLang="en-US" sz="1400">
-              <a:solidFill>
-                <a:schemeClr val="accent2">
-                  <a:lumMod val="50000"/>
-                </a:schemeClr>
-              </a:solidFill>
-            </a:endParaRPr>
           </a:p>
         </p:txBody>
       </p:sp>
@@ -6200,6 +6067,7 @@
           <a:bodyPr wrap="square" rtlCol="0">
             <a:noAutofit/>
           </a:bodyPr>
+          <a:lstStyle/>
           <a:p>
             <a:pPr algn="ctr"/>
             <a:r>
@@ -6210,11 +6078,6 @@
               </a:rPr>
               <a:t>Плюсы решения</a:t>
             </a:r>
-            <a:endParaRPr lang="ru-RU" altLang="ru-RU" sz="4000" b="1">
-              <a:solidFill>
-                <a:schemeClr val="bg1"/>
-              </a:solidFill>
-            </a:endParaRPr>
           </a:p>
         </p:txBody>
       </p:sp>
@@ -6278,6 +6141,7 @@
           <a:bodyPr wrap="square" rtlCol="0">
             <a:spAutoFit/>
           </a:bodyPr>
+          <a:lstStyle/>
           <a:p>
             <a:r>
               <a:rPr lang="ru-RU" altLang="en-US" sz="3000">
@@ -6289,13 +6153,6 @@
               </a:rPr>
               <a:t>Кибербезопасность</a:t>
             </a:r>
-            <a:endParaRPr lang="ru-RU" altLang="en-US" sz="3000">
-              <a:solidFill>
-                <a:schemeClr val="accent2">
-                  <a:lumMod val="50000"/>
-                </a:schemeClr>
-              </a:solidFill>
-            </a:endParaRPr>
           </a:p>
         </p:txBody>
       </p:sp>
@@ -6306,7 +6163,7 @@
           <p:nvPr/>
         </p:nvPicPr>
         <p:blipFill>
-          <a:blip r:embed="rId1"/>
+          <a:blip r:embed="rId2"/>
           <a:stretch>
             <a:fillRect/>
           </a:stretch>
@@ -6379,6 +6236,7 @@
           <a:bodyPr wrap="square" rtlCol="0">
             <a:noAutofit/>
           </a:bodyPr>
+          <a:lstStyle/>
           <a:p>
             <a:r>
               <a:rPr lang="ru-RU" altLang="en-US" sz="2000">
@@ -6390,13 +6248,6 @@
               </a:rPr>
               <a:t>Тщательная система проверки входа в аккаунт пользователя</a:t>
             </a:r>
-            <a:endParaRPr lang="ru-RU" altLang="en-US" sz="2000">
-              <a:solidFill>
-                <a:schemeClr val="accent2">
-                  <a:lumMod val="50000"/>
-                </a:schemeClr>
-              </a:solidFill>
-            </a:endParaRPr>
           </a:p>
         </p:txBody>
       </p:sp>
@@ -6420,6 +6271,7 @@
           <a:bodyPr wrap="square" rtlCol="0">
             <a:spAutoFit/>
           </a:bodyPr>
+          <a:lstStyle/>
           <a:p>
             <a:r>
               <a:rPr lang="ru-RU" altLang="en-US" sz="3000">
@@ -6431,13 +6283,6 @@
               </a:rPr>
               <a:t>Конкурентоспособность</a:t>
             </a:r>
-            <a:endParaRPr lang="ru-RU" altLang="en-US" sz="3000">
-              <a:solidFill>
-                <a:schemeClr val="accent2">
-                  <a:lumMod val="50000"/>
-                </a:schemeClr>
-              </a:solidFill>
-            </a:endParaRPr>
           </a:p>
         </p:txBody>
       </p:sp>
@@ -6499,6 +6344,7 @@
           <a:bodyPr wrap="square" rtlCol="0">
             <a:noAutofit/>
           </a:bodyPr>
+          <a:lstStyle/>
           <a:p>
             <a:r>
               <a:rPr lang="ru-RU" altLang="en-US" sz="2000">
@@ -6530,13 +6376,6 @@
               </a:rPr>
               <a:t>и тд.</a:t>
             </a:r>
-            <a:endParaRPr lang="ru-RU" altLang="en-US" sz="2000">
-              <a:solidFill>
-                <a:schemeClr val="accent2">
-                  <a:lumMod val="50000"/>
-                </a:schemeClr>
-              </a:solidFill>
-            </a:endParaRPr>
           </a:p>
         </p:txBody>
       </p:sp>
@@ -6547,7 +6386,7 @@
           <p:nvPr/>
         </p:nvPicPr>
         <p:blipFill>
-          <a:blip r:embed="rId2"/>
+          <a:blip r:embed="rId3"/>
           <a:stretch>
             <a:fillRect/>
           </a:stretch>
@@ -6582,6 +6421,7 @@
           <a:bodyPr wrap="square" rtlCol="0">
             <a:spAutoFit/>
           </a:bodyPr>
+          <a:lstStyle/>
           <a:p>
             <a:r>
               <a:rPr lang="ru-RU" altLang="en-US" sz="3000">
@@ -6593,13 +6433,6 @@
               </a:rPr>
               <a:t>Простота кода</a:t>
             </a:r>
-            <a:endParaRPr lang="ru-RU" altLang="en-US" sz="3000">
-              <a:solidFill>
-                <a:schemeClr val="accent2">
-                  <a:lumMod val="50000"/>
-                </a:schemeClr>
-              </a:solidFill>
-            </a:endParaRPr>
           </a:p>
         </p:txBody>
       </p:sp>
@@ -6661,6 +6494,7 @@
           <a:bodyPr wrap="square" rtlCol="0">
             <a:noAutofit/>
           </a:bodyPr>
+          <a:lstStyle/>
           <a:p>
             <a:r>
               <a:rPr lang="ru-RU" altLang="en-US" sz="2000">
@@ -6672,13 +6506,6 @@
               </a:rPr>
               <a:t>Доступный к прочтению код без костылей, способный к модификации</a:t>
             </a:r>
-            <a:endParaRPr lang="ru-RU" altLang="en-US" sz="2000">
-              <a:solidFill>
-                <a:schemeClr val="accent2">
-                  <a:lumMod val="50000"/>
-                </a:schemeClr>
-              </a:solidFill>
-            </a:endParaRPr>
           </a:p>
         </p:txBody>
       </p:sp>
@@ -6689,7 +6516,7 @@
           <p:nvPr/>
         </p:nvPicPr>
         <p:blipFill>
-          <a:blip r:embed="rId3"/>
+          <a:blip r:embed="rId4"/>
           <a:stretch>
             <a:fillRect/>
           </a:stretch>
@@ -6782,6 +6609,7 @@
         </p:style>
         <p:txBody>
           <a:bodyPr rtlCol="0" anchor="ctr"/>
+          <a:lstStyle/>
           <a:p>
             <a:pPr algn="ctr"/>
             <a:endParaRPr lang="ru-RU" altLang="en-US"/>
@@ -6831,6 +6659,7 @@
         </p:style>
         <p:txBody>
           <a:bodyPr rtlCol="0" anchor="ctr"/>
+          <a:lstStyle/>
           <a:p>
             <a:pPr algn="ctr"/>
             <a:endParaRPr lang="ru-RU" altLang="en-US"/>
@@ -6857,6 +6686,7 @@
           <a:bodyPr wrap="square" rtlCol="0">
             <a:spAutoFit/>
           </a:bodyPr>
+          <a:lstStyle/>
           <a:p>
             <a:r>
               <a:rPr lang="ru-RU" altLang="en-US" sz="1400">
@@ -6868,13 +6698,6 @@
               </a:rPr>
               <a:t>6</a:t>
             </a:r>
-            <a:endParaRPr lang="ru-RU" altLang="en-US" sz="1400">
-              <a:solidFill>
-                <a:schemeClr val="accent2">
-                  <a:lumMod val="50000"/>
-                </a:schemeClr>
-              </a:solidFill>
-            </a:endParaRPr>
           </a:p>
         </p:txBody>
       </p:sp>
@@ -6898,6 +6721,7 @@
           <a:bodyPr wrap="square" rtlCol="0">
             <a:noAutofit/>
           </a:bodyPr>
+          <a:lstStyle/>
           <a:p>
             <a:pPr algn="ctr"/>
             <a:r>
@@ -6908,11 +6732,6 @@
               </a:rPr>
               <a:t>Минусы решения</a:t>
             </a:r>
-            <a:endParaRPr lang="ru-RU" altLang="ru-RU" sz="4000" b="1">
-              <a:solidFill>
-                <a:schemeClr val="bg1"/>
-              </a:solidFill>
-            </a:endParaRPr>
           </a:p>
         </p:txBody>
       </p:sp>
@@ -6975,6 +6794,7 @@
           <a:bodyPr wrap="square" rtlCol="0">
             <a:spAutoFit/>
           </a:bodyPr>
+          <a:lstStyle/>
           <a:p>
             <a:r>
               <a:rPr lang="ru-RU" altLang="en-US" sz="3000">
@@ -6986,13 +6806,6 @@
               </a:rPr>
               <a:t>Язык программирования</a:t>
             </a:r>
-            <a:endParaRPr lang="ru-RU" altLang="en-US" sz="3000">
-              <a:solidFill>
-                <a:schemeClr val="accent2">
-                  <a:lumMod val="50000"/>
-                </a:schemeClr>
-              </a:solidFill>
-            </a:endParaRPr>
           </a:p>
         </p:txBody>
       </p:sp>
@@ -7054,6 +6867,7 @@
           <a:bodyPr wrap="square" rtlCol="0">
             <a:noAutofit/>
           </a:bodyPr>
+          <a:lstStyle/>
           <a:p>
             <a:r>
               <a:rPr lang="ru-RU" altLang="en-US" sz="2000">
@@ -7095,13 +6909,6 @@
               </a:rPr>
               <a:t>c++)</a:t>
             </a:r>
-            <a:endParaRPr lang="en-US" altLang="en-US" sz="2000">
-              <a:solidFill>
-                <a:schemeClr val="accent2">
-                  <a:lumMod val="50000"/>
-                </a:schemeClr>
-              </a:solidFill>
-            </a:endParaRPr>
           </a:p>
         </p:txBody>
       </p:sp>
@@ -7125,6 +6932,7 @@
           <a:bodyPr wrap="square" rtlCol="0">
             <a:spAutoFit/>
           </a:bodyPr>
+          <a:lstStyle/>
           <a:p>
             <a:r>
               <a:rPr lang="ru-RU" altLang="en-US" sz="3000">
@@ -7136,13 +6944,6 @@
               </a:rPr>
               <a:t>Слабый сервер</a:t>
             </a:r>
-            <a:endParaRPr lang="ru-RU" altLang="en-US" sz="3000">
-              <a:solidFill>
-                <a:schemeClr val="accent2">
-                  <a:lumMod val="50000"/>
-                </a:schemeClr>
-              </a:solidFill>
-            </a:endParaRPr>
           </a:p>
         </p:txBody>
       </p:sp>
@@ -7166,6 +6967,7 @@
           <a:bodyPr wrap="square" rtlCol="0">
             <a:noAutofit/>
           </a:bodyPr>
+          <a:lstStyle/>
           <a:p>
             <a:r>
               <a:rPr lang="ru-RU" sz="2000">
@@ -7177,13 +6979,6 @@
               </a:rPr>
               <a:t>На данный момент скрипт бота запущен на слабом, но бесплатном сервере</a:t>
             </a:r>
-            <a:endParaRPr lang="ru-RU" sz="2000">
-              <a:solidFill>
-                <a:schemeClr val="accent2">
-                  <a:lumMod val="50000"/>
-                </a:schemeClr>
-              </a:solidFill>
-            </a:endParaRPr>
           </a:p>
         </p:txBody>
       </p:sp>
@@ -7194,7 +6989,7 @@
           <p:nvPr/>
         </p:nvPicPr>
         <p:blipFill>
-          <a:blip r:embed="rId1"/>
+          <a:blip r:embed="rId2"/>
           <a:stretch>
             <a:fillRect/>
           </a:stretch>
@@ -7216,7 +7011,7 @@
           <p:nvPr/>
         </p:nvPicPr>
         <p:blipFill>
-          <a:blip r:embed="rId2"/>
+          <a:blip r:embed="rId3"/>
           <a:stretch>
             <a:fillRect/>
           </a:stretch>
@@ -7309,6 +7104,7 @@
         </p:style>
         <p:txBody>
           <a:bodyPr rtlCol="0" anchor="ctr"/>
+          <a:lstStyle/>
           <a:p>
             <a:pPr algn="ctr"/>
             <a:endParaRPr lang="ru-RU" altLang="en-US"/>
@@ -7335,6 +7131,7 @@
           <a:bodyPr wrap="square" rtlCol="0">
             <a:noAutofit/>
           </a:bodyPr>
+          <a:lstStyle/>
           <a:p>
             <a:pPr algn="ctr"/>
             <a:r>
@@ -7345,11 +7142,6 @@
               </a:rPr>
               <a:t>Спасибо за внимание!</a:t>
             </a:r>
-            <a:endParaRPr lang="ru-RU" altLang="ru-RU" sz="4000" b="1">
-              <a:solidFill>
-                <a:schemeClr val="bg1"/>
-              </a:solidFill>
-            </a:endParaRPr>
           </a:p>
         </p:txBody>
       </p:sp>
@@ -7373,6 +7165,7 @@
           <a:bodyPr wrap="square" rtlCol="0">
             <a:noAutofit/>
           </a:bodyPr>
+          <a:lstStyle/>
           <a:p>
             <a:pPr algn="ctr"/>
             <a:r>
@@ -7383,11 +7176,6 @@
               </a:rPr>
               <a:t>Буду рад ответить на ваши вопросы</a:t>
             </a:r>
-            <a:endParaRPr lang="ru-RU" altLang="ru-RU" sz="3000" b="1">
-              <a:solidFill>
-                <a:schemeClr val="bg1"/>
-              </a:solidFill>
-            </a:endParaRPr>
           </a:p>
         </p:txBody>
       </p:sp>
@@ -7411,6 +7199,7 @@
           <a:bodyPr wrap="square" rtlCol="0">
             <a:noAutofit/>
           </a:bodyPr>
+          <a:lstStyle/>
           <a:p>
             <a:pPr algn="ctr"/>
             <a:r>
@@ -7433,13 +7222,6 @@
               </a:rPr>
               <a:t>:</a:t>
             </a:r>
-            <a:endParaRPr lang="en-US" altLang="ru-RU" sz="2000" b="1">
-              <a:solidFill>
-                <a:schemeClr val="accent2">
-                  <a:lumMod val="50000"/>
-                </a:schemeClr>
-              </a:solidFill>
-            </a:endParaRPr>
           </a:p>
         </p:txBody>
       </p:sp>
@@ -7452,7 +7234,7 @@
           <p:nvPr/>
         </p:nvPicPr>
         <p:blipFill>
-          <a:blip r:embed="rId1"/>
+          <a:blip r:embed="rId2"/>
           <a:stretch>
             <a:fillRect/>
           </a:stretch>
@@ -7476,7 +7258,7 @@
           <p:nvPr/>
         </p:nvPicPr>
         <p:blipFill>
-          <a:blip r:embed="rId2"/>
+          <a:blip r:embed="rId3"/>
           <a:stretch>
             <a:fillRect/>
           </a:stretch>
@@ -7511,6 +7293,7 @@
           <a:bodyPr wrap="square" rtlCol="0">
             <a:noAutofit/>
           </a:bodyPr>
+          <a:lstStyle/>
           <a:p>
             <a:pPr algn="ctr"/>
             <a:r>
@@ -7533,13 +7316,6 @@
               </a:rPr>
               <a:t>:</a:t>
             </a:r>
-            <a:endParaRPr lang="en-US" altLang="en-US" sz="2000">
-              <a:solidFill>
-                <a:schemeClr val="accent2">
-                  <a:lumMod val="75000"/>
-                </a:schemeClr>
-              </a:solidFill>
-            </a:endParaRPr>
           </a:p>
         </p:txBody>
       </p:sp>
@@ -7563,10 +7339,11 @@
           <a:bodyPr wrap="square" rtlCol="0">
             <a:noAutofit/>
           </a:bodyPr>
+          <a:lstStyle/>
           <a:p>
             <a:pPr algn="ctr"/>
             <a:r>
-              <a:rPr lang="ru-RU" altLang="en-US" sz="2000">
+              <a:rPr lang="ru-RU" altLang="en-US" sz="2000" dirty="0">
                 <a:solidFill>
                   <a:schemeClr val="accent2">
                     <a:lumMod val="75000"/>
@@ -7576,7 +7353,7 @@
               <a:t>Ссылка на </a:t>
             </a:r>
             <a:r>
-              <a:rPr lang="en-US" altLang="ru-RU" sz="2000">
+              <a:rPr lang="en-US" altLang="ru-RU" sz="2000" dirty="0" err="1">
                 <a:solidFill>
                   <a:schemeClr val="accent2">
                     <a:lumMod val="75000"/>
@@ -7586,7 +7363,7 @@
               <a:t>Git</a:t>
             </a:r>
             <a:r>
-              <a:rPr lang="en-US" altLang="en-US" sz="2000">
+              <a:rPr lang="en-US" altLang="en-US" sz="2000" dirty="0">
                 <a:solidFill>
                   <a:schemeClr val="accent2">
                     <a:lumMod val="75000"/>
@@ -7595,7 +7372,113 @@
               </a:rPr>
               <a:t>:</a:t>
             </a:r>
-            <a:endParaRPr lang="en-US" altLang="en-US" sz="2000">
+          </a:p>
+        </p:txBody>
+      </p:sp>
+      <p:pic>
+        <p:nvPicPr>
+          <p:cNvPr id="10" name="Рисунок 9"/>
+          <p:cNvPicPr>
+            <a:picLocks noChangeAspect="1"/>
+          </p:cNvPicPr>
+          <p:nvPr/>
+        </p:nvPicPr>
+        <p:blipFill>
+          <a:blip r:embed="rId4" cstate="print">
+            <a:extLst>
+              <a:ext uri="{28A0092B-C50C-407E-A947-70E740481C1C}">
+                <a14:useLocalDpi xmlns:a14="http://schemas.microsoft.com/office/drawing/2010/main" val="0"/>
+              </a:ext>
+            </a:extLst>
+          </a:blip>
+          <a:stretch>
+            <a:fillRect/>
+          </a:stretch>
+        </p:blipFill>
+        <p:spPr>
+          <a:xfrm>
+            <a:off x="11497962" y="6181691"/>
+            <a:ext cx="547816" cy="547816"/>
+          </a:xfrm>
+          <a:prstGeom prst="rect">
+            <a:avLst/>
+          </a:prstGeom>
+        </p:spPr>
+      </p:pic>
+      <p:sp>
+        <p:nvSpPr>
+          <p:cNvPr id="12" name="Текстовое поле 12"/>
+          <p:cNvSpPr txBox="1"/>
+          <p:nvPr/>
+        </p:nvSpPr>
+        <p:spPr>
+          <a:xfrm>
+            <a:off x="10783175" y="5979255"/>
+            <a:ext cx="1977390" cy="543560"/>
+          </a:xfrm>
+          <a:prstGeom prst="rect">
+            <a:avLst/>
+          </a:prstGeom>
+          <a:noFill/>
+        </p:spPr>
+        <p:txBody>
+          <a:bodyPr wrap="square" rtlCol="0">
+            <a:noAutofit/>
+          </a:bodyPr>
+          <a:lstStyle/>
+          <a:p>
+            <a:pPr algn="ctr"/>
+            <a:r>
+              <a:rPr lang="ru-RU" altLang="en-US" sz="1000" dirty="0">
+                <a:solidFill>
+                  <a:schemeClr val="accent2">
+                    <a:lumMod val="75000"/>
+                  </a:schemeClr>
+                </a:solidFill>
+              </a:rPr>
+              <a:t>Ссылка </a:t>
+            </a:r>
+            <a:r>
+              <a:rPr lang="ru-RU" altLang="en-US" sz="1000" dirty="0" smtClean="0">
+                <a:solidFill>
+                  <a:schemeClr val="accent2">
+                    <a:lumMod val="75000"/>
+                  </a:schemeClr>
+                </a:solidFill>
+              </a:rPr>
+              <a:t>на</a:t>
+            </a:r>
+            <a:r>
+              <a:rPr lang="en-US" altLang="en-US" sz="1000" dirty="0" smtClean="0">
+                <a:solidFill>
+                  <a:schemeClr val="accent2">
+                    <a:lumMod val="75000"/>
+                  </a:schemeClr>
+                </a:solidFill>
+              </a:rPr>
+              <a:t> </a:t>
+            </a:r>
+            <a:r>
+              <a:rPr lang="ru-RU" altLang="en-US" sz="1000" dirty="0" smtClean="0">
+                <a:solidFill>
+                  <a:schemeClr val="accent2">
+                    <a:lumMod val="75000"/>
+                  </a:schemeClr>
+                </a:solidFill>
+              </a:rPr>
+              <a:t>???</a:t>
+            </a:r>
+            <a:r>
+              <a:rPr lang="en-US" altLang="en-US" sz="1000" dirty="0" smtClean="0">
+                <a:solidFill>
+                  <a:schemeClr val="accent2">
+                    <a:lumMod val="75000"/>
+                  </a:schemeClr>
+                </a:solidFill>
+              </a:rPr>
+              <a:t>:</a:t>
+            </a:r>
+            <a:endParaRPr lang="en-US" altLang="en-US" sz="1000" dirty="0">
               <a:solidFill>
                 <a:schemeClr val="accent2">
                   <a:lumMod val="75000"/>
@@ -7864,6 +7747,8 @@
       </a:bgFillStyleLst>
     </a:fmtScheme>
   </a:themeElements>
+  <a:objectDefaults/>
+  <a:extraClrSchemeLst/>
   <a:extLst>
     <a:ext uri="{05A4C25C-085E-4340-85A3-A5531E510DB2}">
       <thm15:themeFamily xmlns:thm15="http://schemas.microsoft.com/office/thememl/2012/main" name="Office Theme" id="{62F939B6-93AF-4DB8-9C6B-D6C7DFDC589F}" vid="{4A3C46E8-61CC-4603-A589-7422A47A8E4A}"/>
@@ -8123,6 +8008,8 @@
       </a:bgFillStyleLst>
     </a:fmtScheme>
   </a:themeElements>
+  <a:objectDefaults/>
+  <a:extraClrSchemeLst/>
   <a:extLst>
     <a:ext uri="{05A4C25C-085E-4340-85A3-A5531E510DB2}">
       <thm15:themeFamily xmlns:thm15="http://schemas.microsoft.com/office/thememl/2012/main" name="Office Theme" id="{62F939B6-93AF-4DB8-9C6B-D6C7DFDC589F}" vid="{4A3C46E8-61CC-4603-A589-7422A47A8E4A}"/>
@@ -8382,6 +8269,8 @@
       </a:bgFillStyleLst>
     </a:fmtScheme>
   </a:themeElements>
+  <a:objectDefaults/>
+  <a:extraClrSchemeLst/>
   <a:extLst>
     <a:ext uri="{05A4C25C-085E-4340-85A3-A5531E510DB2}">
       <thm15:themeFamily xmlns:thm15="http://schemas.microsoft.com/office/thememl/2012/main" name="Office Theme" id="{62F939B6-93AF-4DB8-9C6B-D6C7DFDC589F}" vid="{4A3C46E8-61CC-4603-A589-7422A47A8E4A}"/>
